--- a/3.学穿Binder篇/ppt与思维导图/000.Binder 专题导学 —— 如何深入掌握 Binder.pptx
+++ b/3.学穿Binder篇/ppt与思维导图/000.Binder 专题导学 —— 如何深入掌握 Binder.pptx
@@ -6,9 +6,21 @@
   </p:sldMasterIdLst>
   <p:sldIdLst>
     <p:sldId id="256" r:id="rId3"/>
+    <p:sldId id="267" r:id="rId4"/>
+    <p:sldId id="257" r:id="rId5"/>
+    <p:sldId id="258" r:id="rId6"/>
+    <p:sldId id="260" r:id="rId7"/>
+    <p:sldId id="266" r:id="rId8"/>
+    <p:sldId id="268" r:id="rId9"/>
+    <p:sldId id="269" r:id="rId10"/>
+    <p:sldId id="270" r:id="rId11"/>
+    <p:sldId id="271" r:id="rId12"/>
   </p:sldIdLst>
   <p:sldSz cx="12192000" cy="6858000"/>
   <p:notesSz cx="6858000" cy="9144000"/>
+  <p:custDataLst>
+    <p:tags r:id="rId16"/>
+  </p:custDataLst>
   <p:defaultTextStyle>
     <a:defPPr>
       <a:defRPr lang="zh-CN"/>
@@ -112,7 +124,7 @@
             <a:srgbClr val="A4A3A4"/>
           </p15:clr>
         </p15:guide>
-        <p15:guide id="2" pos="3840" userDrawn="1">
+        <p15:guide id="2" pos="3843" userDrawn="1">
           <p15:clr>
             <a:srgbClr val="A4A3A4"/>
           </p15:clr>
@@ -3081,6 +3093,17 @@
 <file path=ppt/slides/slide1.xml><?xml version="1.0" encoding="utf-8"?>
 <p:sld xmlns:a="http://schemas.openxmlformats.org/drawingml/2006/main" xmlns:r="http://schemas.openxmlformats.org/officeDocument/2006/relationships" xmlns:p="http://schemas.openxmlformats.org/presentationml/2006/main">
   <p:cSld>
+    <p:bg>
+      <p:bgPr>
+        <a:blipFill rotWithShape="1">
+          <a:blip r:embed="rId1"/>
+          <a:stretch>
+            <a:fillRect/>
+          </a:stretch>
+        </a:blipFill>
+        <a:effectLst/>
+      </p:bgPr>
+    </p:bg>
     <p:spTree>
       <p:nvGrpSpPr>
         <p:cNvPr id="1" name=""/>
@@ -3095,6 +3118,33 @@
           <a:chExt cx="0" cy="0"/>
         </a:xfrm>
       </p:grpSpPr>
+    </p:spTree>
+    <p:custDataLst>
+      <p:tags r:id="rId2"/>
+    </p:custDataLst>
+  </p:cSld>
+  <p:clrMapOvr>
+    <a:masterClrMapping/>
+  </p:clrMapOvr>
+</p:sld>
+</file>
+
+<file path=ppt/slides/slide10.xml><?xml version="1.0" encoding="utf-8"?>
+<p:sld xmlns:a="http://schemas.openxmlformats.org/drawingml/2006/main" xmlns:r="http://schemas.openxmlformats.org/officeDocument/2006/relationships" xmlns:p="http://schemas.openxmlformats.org/presentationml/2006/main">
+  <p:cSld>
+    <p:bg>
+      <p:bgPr>
+        <a:noFill/>
+        <a:effectLst/>
+      </p:bgPr>
+    </p:bg>
+    <p:spTree>
+      <p:nvGrpSpPr>
+        <p:cNvPr id="1" name=""/>
+        <p:cNvGrpSpPr/>
+        <p:nvPr/>
+      </p:nvGrpSpPr>
+      <p:grpSpPr/>
       <p:sp>
         <p:nvSpPr>
           <p:cNvPr id="2" name="标题 1"/>
@@ -3102,41 +3152,128 @@
             <a:spLocks noGrp="1"/>
           </p:cNvSpPr>
           <p:nvPr>
-            <p:ph type="ctrTitle"/>
+            <p:ph type="title"/>
+          </p:nvPr>
+        </p:nvSpPr>
+        <p:spPr/>
+        <p:txBody>
+          <a:bodyPr/>
+          <a:p>
+            <a:r>
+              <a:rPr lang="zh-CN" altLang="en-US"/>
+              <a:t>疑难问题</a:t>
+            </a:r>
+            <a:endParaRPr lang="zh-CN" altLang="en-US"/>
+          </a:p>
+        </p:txBody>
+      </p:sp>
+      <p:sp>
+        <p:nvSpPr>
+          <p:cNvPr id="3" name="内容占位符 2"/>
+          <p:cNvSpPr>
+            <a:spLocks noGrp="1"/>
+          </p:cNvSpPr>
+          <p:nvPr>
+            <p:ph idx="1"/>
+          </p:nvPr>
+        </p:nvSpPr>
+        <p:spPr/>
+        <p:txBody>
+          <a:bodyPr/>
+          <a:p>
+            <a:r>
+              <a:rPr lang="zh-CN" altLang="en-US"/>
+              <a:t>死锁</a:t>
+            </a:r>
+            <a:endParaRPr lang="zh-CN" altLang="en-US"/>
+          </a:p>
+          <a:p>
+            <a:r>
+              <a:rPr lang="zh-CN" altLang="en-US"/>
+              <a:t>线程池满了</a:t>
+            </a:r>
+            <a:endParaRPr lang="zh-CN" altLang="en-US"/>
+          </a:p>
+          <a:p>
+            <a:r>
+              <a:rPr lang="zh-CN" altLang="en-US"/>
+              <a:t> 代理对象内存泄露</a:t>
+            </a:r>
+            <a:endParaRPr lang="zh-CN" altLang="en-US"/>
+          </a:p>
+          <a:p>
+            <a:r>
+              <a:rPr lang="zh-CN" altLang="en-US"/>
+              <a:t>传输数据过大</a:t>
+            </a:r>
+            <a:endParaRPr lang="zh-CN" altLang="en-US"/>
+          </a:p>
+          <a:p>
+            <a:r>
+              <a:rPr lang="zh-CN" altLang="en-US"/>
+              <a:t>关键方法内发起 Binder 同步调用导致卡顿</a:t>
+            </a:r>
+            <a:endParaRPr lang="zh-CN" altLang="en-US"/>
+          </a:p>
+        </p:txBody>
+      </p:sp>
+    </p:spTree>
+    <p:custDataLst>
+      <p:tags r:id="rId1"/>
+    </p:custDataLst>
+  </p:cSld>
+  <p:clrMapOvr>
+    <a:masterClrMapping/>
+  </p:clrMapOvr>
+</p:sld>
+</file>
+
+<file path=ppt/slides/slide2.xml><?xml version="1.0" encoding="utf-8"?>
+<p:sld xmlns:a="http://schemas.openxmlformats.org/drawingml/2006/main" xmlns:r="http://schemas.openxmlformats.org/officeDocument/2006/relationships" xmlns:p="http://schemas.openxmlformats.org/presentationml/2006/main">
+  <p:cSld>
+    <p:bg>
+      <p:bgPr>
+        <a:noFill/>
+        <a:effectLst/>
+      </p:bgPr>
+    </p:bg>
+    <p:spTree>
+      <p:nvGrpSpPr>
+        <p:cNvPr id="1" name=""/>
+        <p:cNvGrpSpPr/>
+        <p:nvPr/>
+      </p:nvGrpSpPr>
+      <p:grpSpPr/>
+      <p:pic>
+        <p:nvPicPr>
+          <p:cNvPr id="103" name="图片 102"/>
+          <p:cNvPicPr/>
+          <p:nvPr>
             <p:custDataLst>
               <p:tags r:id="rId1"/>
             </p:custDataLst>
           </p:nvPr>
-        </p:nvSpPr>
-        <p:spPr/>
-        <p:txBody>
-          <a:bodyPr/>
-          <a:p>
-            <a:endParaRPr lang="zh-CN" altLang="zh-CN"/>
-          </a:p>
-        </p:txBody>
-      </p:sp>
-      <p:sp>
-        <p:nvSpPr>
-          <p:cNvPr id="3" name="副标题 2"/>
-          <p:cNvSpPr>
-            <a:spLocks noGrp="1"/>
-          </p:cNvSpPr>
-          <p:nvPr>
-            <p:ph type="subTitle" idx="1"/>
-            <p:custDataLst>
-              <p:tags r:id="rId2"/>
-            </p:custDataLst>
-          </p:nvPr>
-        </p:nvSpPr>
-        <p:spPr/>
-        <p:txBody>
-          <a:bodyPr/>
-          <a:p>
-            <a:endParaRPr lang="zh-CN" altLang="en-US"/>
-          </a:p>
-        </p:txBody>
-      </p:sp>
+        </p:nvPicPr>
+        <p:blipFill>
+          <a:blip r:embed="rId2"/>
+          <a:stretch>
+            <a:fillRect/>
+          </a:stretch>
+        </p:blipFill>
+        <p:spPr>
+          <a:xfrm>
+            <a:off x="563245" y="36195"/>
+            <a:ext cx="10843895" cy="7007860"/>
+          </a:xfrm>
+          <a:prstGeom prst="rect">
+            <a:avLst/>
+          </a:prstGeom>
+          <a:noFill/>
+          <a:ln w="9525">
+            <a:noFill/>
+          </a:ln>
+        </p:spPr>
+      </p:pic>
     </p:spTree>
     <p:custDataLst>
       <p:tags r:id="rId3"/>
@@ -3148,6 +3285,1336 @@
 </p:sld>
 </file>
 
+<file path=ppt/slides/slide3.xml><?xml version="1.0" encoding="utf-8"?>
+<p:sld xmlns:a="http://schemas.openxmlformats.org/drawingml/2006/main" xmlns:r="http://schemas.openxmlformats.org/officeDocument/2006/relationships" xmlns:p="http://schemas.openxmlformats.org/presentationml/2006/main">
+  <p:cSld>
+    <p:bg>
+      <p:bgPr>
+        <a:noFill/>
+        <a:effectLst/>
+      </p:bgPr>
+    </p:bg>
+    <p:spTree>
+      <p:nvGrpSpPr>
+        <p:cNvPr id="1" name=""/>
+        <p:cNvGrpSpPr/>
+        <p:nvPr/>
+      </p:nvGrpSpPr>
+      <p:grpSpPr/>
+      <p:sp>
+        <p:nvSpPr>
+          <p:cNvPr id="2" name="标题 1"/>
+          <p:cNvSpPr>
+            <a:spLocks noGrp="1"/>
+          </p:cNvSpPr>
+          <p:nvPr>
+            <p:ph type="title"/>
+          </p:nvPr>
+        </p:nvSpPr>
+        <p:spPr/>
+        <p:txBody>
+          <a:bodyPr/>
+          <a:p>
+            <a:r>
+              <a:rPr lang="zh-CN" altLang="en-US"/>
+              <a:t>为什么要学习和掌握 Binder</a:t>
+            </a:r>
+            <a:endParaRPr lang="zh-CN" altLang="en-US"/>
+          </a:p>
+        </p:txBody>
+      </p:sp>
+      <p:sp>
+        <p:nvSpPr>
+          <p:cNvPr id="3" name="内容占位符 2"/>
+          <p:cNvSpPr>
+            <a:spLocks noGrp="1"/>
+          </p:cNvSpPr>
+          <p:nvPr>
+            <p:ph idx="1"/>
+          </p:nvPr>
+        </p:nvSpPr>
+        <p:spPr/>
+        <p:txBody>
+          <a:bodyPr/>
+          <a:p>
+            <a:r>
+              <a:rPr lang="zh-CN" altLang="en-US"/>
+              <a:t>Binder 是整个 Android 的基石，所有的系统服务都是基于 Binder，Android 四大组件的底层实现离不开 Binder。如果你要成为 Android 领域的资深研发人员，Binder 是必须要深入掌握的知识之一。</a:t>
+            </a:r>
+            <a:endParaRPr lang="zh-CN" altLang="en-US"/>
+          </a:p>
+          <a:p>
+            <a:r>
+              <a:rPr lang="zh-CN" altLang="en-US"/>
+              <a:t>系统开发领域，自定义 Native 和 Java 系统服务是日常工作之一，这需要我们需要熟悉 Android 中与 Binder 相关的类库以及相关的辅助工具。</a:t>
+            </a:r>
+            <a:endParaRPr lang="zh-CN" altLang="en-US"/>
+          </a:p>
+          <a:p>
+            <a:r>
+              <a:rPr lang="zh-CN" altLang="en-US"/>
+              <a:t>对于应用开发，ANR 冻屏 卡顿 卡死等偶现 BUG 很可能与 Binder 调用相关，解决这些 bug，需要我们深入掌握理解 Binder 的内部原理。</a:t>
+            </a:r>
+            <a:endParaRPr lang="zh-CN" altLang="en-US"/>
+          </a:p>
+        </p:txBody>
+      </p:sp>
+    </p:spTree>
+    <p:custDataLst>
+      <p:tags r:id="rId1"/>
+    </p:custDataLst>
+  </p:cSld>
+  <p:clrMapOvr>
+    <a:masterClrMapping/>
+  </p:clrMapOvr>
+</p:sld>
+</file>
+
+<file path=ppt/slides/slide4.xml><?xml version="1.0" encoding="utf-8"?>
+<p:sld xmlns:a="http://schemas.openxmlformats.org/drawingml/2006/main" xmlns:r="http://schemas.openxmlformats.org/officeDocument/2006/relationships" xmlns:p="http://schemas.openxmlformats.org/presentationml/2006/main">
+  <p:cSld>
+    <p:bg>
+      <p:bgPr>
+        <a:noFill/>
+        <a:effectLst/>
+      </p:bgPr>
+    </p:bg>
+    <p:spTree>
+      <p:nvGrpSpPr>
+        <p:cNvPr id="1" name=""/>
+        <p:cNvGrpSpPr/>
+        <p:nvPr/>
+      </p:nvGrpSpPr>
+      <p:grpSpPr/>
+      <p:sp>
+        <p:nvSpPr>
+          <p:cNvPr id="2" name="标题 1"/>
+          <p:cNvSpPr>
+            <a:spLocks noGrp="1"/>
+          </p:cNvSpPr>
+          <p:nvPr>
+            <p:ph type="title"/>
+          </p:nvPr>
+        </p:nvSpPr>
+        <p:spPr/>
+        <p:txBody>
+          <a:bodyPr/>
+          <a:p>
+            <a:r>
+              <a:rPr lang="zh-CN" altLang="en-US"/>
+              <a:t>学习 Binder 的预备知识</a:t>
+            </a:r>
+            <a:endParaRPr lang="zh-CN" altLang="en-US"/>
+          </a:p>
+        </p:txBody>
+      </p:sp>
+      <p:sp>
+        <p:nvSpPr>
+          <p:cNvPr id="3" name="内容占位符 2"/>
+          <p:cNvSpPr>
+            <a:spLocks noGrp="1"/>
+          </p:cNvSpPr>
+          <p:nvPr>
+            <p:ph idx="1"/>
+          </p:nvPr>
+        </p:nvSpPr>
+        <p:spPr/>
+        <p:txBody>
+          <a:bodyPr/>
+          <a:p>
+            <a:r>
+              <a:rPr lang="zh-CN" altLang="en-US"/>
+              <a:t>Linux 驱动开发入门</a:t>
+            </a:r>
+            <a:endParaRPr lang="zh-CN" altLang="en-US"/>
+          </a:p>
+          <a:p>
+            <a:r>
+              <a:rPr lang="zh-CN" altLang="en-US"/>
+              <a:t>Linux 内核常用数据结构</a:t>
+            </a:r>
+            <a:endParaRPr lang="zh-CN" altLang="en-US"/>
+          </a:p>
+          <a:p>
+            <a:r>
+              <a:rPr lang="zh-CN" altLang="en-US"/>
+              <a:t>虚拟内存 </a:t>
+            </a:r>
+            <a:endParaRPr lang="zh-CN" altLang="en-US"/>
+          </a:p>
+          <a:p>
+            <a:r>
+              <a:rPr lang="zh-CN" altLang="en-US"/>
+              <a:t>Linux 文件访问接口</a:t>
+            </a:r>
+            <a:endParaRPr lang="zh-CN" altLang="en-US"/>
+          </a:p>
+          <a:p>
+            <a:r>
+              <a:rPr lang="zh-CN" altLang="en-US"/>
+              <a:t>JNI 编程入门</a:t>
+            </a:r>
+            <a:endParaRPr lang="zh-CN" altLang="en-US"/>
+          </a:p>
+        </p:txBody>
+      </p:sp>
+    </p:spTree>
+    <p:custDataLst>
+      <p:tags r:id="rId1"/>
+    </p:custDataLst>
+  </p:cSld>
+  <p:clrMapOvr>
+    <a:masterClrMapping/>
+  </p:clrMapOvr>
+</p:sld>
+</file>
+
+<file path=ppt/slides/slide5.xml><?xml version="1.0" encoding="utf-8"?>
+<p:sld xmlns:a="http://schemas.openxmlformats.org/drawingml/2006/main" xmlns:r="http://schemas.openxmlformats.org/officeDocument/2006/relationships" xmlns:p="http://schemas.openxmlformats.org/presentationml/2006/main">
+  <p:cSld>
+    <p:bg>
+      <p:bgPr>
+        <a:noFill/>
+        <a:effectLst/>
+      </p:bgPr>
+    </p:bg>
+    <p:spTree>
+      <p:nvGrpSpPr>
+        <p:cNvPr id="1" name=""/>
+        <p:cNvGrpSpPr/>
+        <p:nvPr/>
+      </p:nvGrpSpPr>
+      <p:grpSpPr/>
+      <p:sp>
+        <p:nvSpPr>
+          <p:cNvPr id="2" name="标题 1"/>
+          <p:cNvSpPr>
+            <a:spLocks noGrp="1"/>
+          </p:cNvSpPr>
+          <p:nvPr>
+            <p:ph type="title"/>
+          </p:nvPr>
+        </p:nvSpPr>
+        <p:spPr/>
+        <p:txBody>
+          <a:bodyPr/>
+          <a:p>
+            <a:r>
+              <a:rPr lang="zh-CN" altLang="en-US"/>
+              <a:t>Binder 基本原理</a:t>
+            </a:r>
+            <a:endParaRPr lang="zh-CN" altLang="en-US"/>
+          </a:p>
+        </p:txBody>
+      </p:sp>
+      <p:sp>
+        <p:nvSpPr>
+          <p:cNvPr id="3" name="内容占位符 2"/>
+          <p:cNvSpPr>
+            <a:spLocks noGrp="1"/>
+          </p:cNvSpPr>
+          <p:nvPr>
+            <p:ph idx="1"/>
+          </p:nvPr>
+        </p:nvSpPr>
+        <p:spPr/>
+        <p:txBody>
+          <a:bodyPr/>
+          <a:p>
+            <a:r>
+              <a:rPr lang="en-US" altLang="zh-CN"/>
+              <a:t>IPC</a:t>
+            </a:r>
+            <a:endParaRPr lang="en-US" altLang="zh-CN"/>
+          </a:p>
+          <a:p>
+            <a:r>
+              <a:rPr lang="en-US" altLang="zh-CN"/>
+              <a:t>RPC</a:t>
+            </a:r>
+            <a:endParaRPr lang="zh-CN" altLang="en-US"/>
+          </a:p>
+        </p:txBody>
+      </p:sp>
+      <p:pic>
+        <p:nvPicPr>
+          <p:cNvPr id="100" name="图片 99"/>
+          <p:cNvPicPr/>
+          <p:nvPr>
+            <p:custDataLst>
+              <p:tags r:id="rId1"/>
+            </p:custDataLst>
+          </p:nvPr>
+        </p:nvPicPr>
+        <p:blipFill>
+          <a:blip r:embed="rId2"/>
+          <a:stretch>
+            <a:fillRect/>
+          </a:stretch>
+        </p:blipFill>
+        <p:spPr>
+          <a:xfrm>
+            <a:off x="5256530" y="314960"/>
+            <a:ext cx="6320790" cy="2726690"/>
+          </a:xfrm>
+          <a:prstGeom prst="rect">
+            <a:avLst/>
+          </a:prstGeom>
+          <a:noFill/>
+          <a:ln w="9525">
+            <a:noFill/>
+          </a:ln>
+        </p:spPr>
+      </p:pic>
+      <p:pic>
+        <p:nvPicPr>
+          <p:cNvPr id="101" name="图片 100"/>
+          <p:cNvPicPr/>
+          <p:nvPr>
+            <p:custDataLst>
+              <p:tags r:id="rId3"/>
+            </p:custDataLst>
+          </p:nvPr>
+        </p:nvPicPr>
+        <p:blipFill>
+          <a:blip r:embed="rId4"/>
+          <a:stretch>
+            <a:fillRect/>
+          </a:stretch>
+        </p:blipFill>
+        <p:spPr>
+          <a:xfrm>
+            <a:off x="5466715" y="3011170"/>
+            <a:ext cx="5508625" cy="3672840"/>
+          </a:xfrm>
+          <a:prstGeom prst="rect">
+            <a:avLst/>
+          </a:prstGeom>
+          <a:noFill/>
+          <a:ln w="9525">
+            <a:noFill/>
+          </a:ln>
+        </p:spPr>
+      </p:pic>
+    </p:spTree>
+    <p:custDataLst>
+      <p:tags r:id="rId5"/>
+    </p:custDataLst>
+  </p:cSld>
+  <p:clrMapOvr>
+    <a:masterClrMapping/>
+  </p:clrMapOvr>
+</p:sld>
+</file>
+
+<file path=ppt/slides/slide6.xml><?xml version="1.0" encoding="utf-8"?>
+<p:sld xmlns:a="http://schemas.openxmlformats.org/drawingml/2006/main" xmlns:r="http://schemas.openxmlformats.org/officeDocument/2006/relationships" xmlns:p="http://schemas.openxmlformats.org/presentationml/2006/main">
+  <p:cSld>
+    <p:bg>
+      <p:bgPr>
+        <a:noFill/>
+        <a:effectLst/>
+      </p:bgPr>
+    </p:bg>
+    <p:spTree>
+      <p:nvGrpSpPr>
+        <p:cNvPr id="1" name=""/>
+        <p:cNvGrpSpPr/>
+        <p:nvPr/>
+      </p:nvGrpSpPr>
+      <p:grpSpPr/>
+      <p:sp>
+        <p:nvSpPr>
+          <p:cNvPr id="2" name="标题 1"/>
+          <p:cNvSpPr>
+            <a:spLocks noGrp="1"/>
+          </p:cNvSpPr>
+          <p:nvPr>
+            <p:ph type="title"/>
+          </p:nvPr>
+        </p:nvSpPr>
+        <p:spPr/>
+        <p:txBody>
+          <a:bodyPr/>
+          <a:p>
+            <a:r>
+              <a:rPr lang="zh-CN" altLang="en-US"/>
+              <a:t>C 层</a:t>
+            </a:r>
+            <a:endParaRPr lang="zh-CN" altLang="en-US"/>
+          </a:p>
+        </p:txBody>
+      </p:sp>
+      <p:sp>
+        <p:nvSpPr>
+          <p:cNvPr id="3" name="内容占位符 2"/>
+          <p:cNvSpPr>
+            <a:spLocks noGrp="1"/>
+          </p:cNvSpPr>
+          <p:nvPr>
+            <p:ph idx="1"/>
+          </p:nvPr>
+        </p:nvSpPr>
+        <p:spPr/>
+        <p:style>
+          <a:lnRef idx="2">
+            <a:schemeClr val="dk1"/>
+          </a:lnRef>
+          <a:fillRef idx="1">
+            <a:schemeClr val="lt1"/>
+          </a:fillRef>
+          <a:effectRef idx="0">
+            <a:schemeClr val="dk1"/>
+          </a:effectRef>
+          <a:fontRef idx="minor">
+            <a:schemeClr val="dk1"/>
+          </a:fontRef>
+        </p:style>
+        <p:txBody>
+          <a:bodyPr/>
+          <a:p>
+            <a:r>
+              <a:rPr lang="zh-CN" altLang="en-US"/>
+              <a:t>模仿 bctest.c service_manager.c 写一个完整的 Binder 应用层 demo</a:t>
+            </a:r>
+            <a:endParaRPr lang="zh-CN" altLang="en-US"/>
+          </a:p>
+          <a:p>
+            <a:r>
+              <a:rPr lang="zh-CN" altLang="en-US"/>
+              <a:t>分析示例程序</a:t>
+            </a:r>
+            <a:endParaRPr lang="zh-CN" altLang="en-US"/>
+          </a:p>
+          <a:p>
+            <a:pPr lvl="1"/>
+            <a:r>
+              <a:rPr lang="zh-CN" altLang="en-US"/>
+              <a:t>服务注册过程情景分析</a:t>
+            </a:r>
+            <a:endParaRPr lang="zh-CN" altLang="en-US"/>
+          </a:p>
+          <a:p>
+            <a:pPr lvl="1"/>
+            <a:r>
+              <a:rPr lang="zh-CN" altLang="en-US"/>
+              <a:t>服务获取过程情景分析</a:t>
+            </a:r>
+            <a:endParaRPr lang="zh-CN" altLang="en-US"/>
+          </a:p>
+          <a:p>
+            <a:pPr lvl="1"/>
+            <a:r>
+              <a:rPr lang="zh-CN" altLang="en-US"/>
+              <a:t>服务使用过程情景分析</a:t>
+            </a:r>
+            <a:endParaRPr lang="zh-CN" altLang="en-US"/>
+          </a:p>
+        </p:txBody>
+      </p:sp>
+      <p:cxnSp>
+        <p:nvCxnSpPr>
+          <p:cNvPr id="4" name="直接连接符 3"/>
+          <p:cNvCxnSpPr/>
+          <p:nvPr/>
+        </p:nvCxnSpPr>
+        <p:spPr>
+          <a:xfrm flipV="1">
+            <a:off x="6028690" y="5269230"/>
+            <a:ext cx="3865880" cy="5715"/>
+          </a:xfrm>
+          <a:prstGeom prst="line">
+            <a:avLst/>
+          </a:prstGeom>
+        </p:spPr>
+        <p:style>
+          <a:lnRef idx="1">
+            <a:schemeClr val="accent1"/>
+          </a:lnRef>
+          <a:fillRef idx="0">
+            <a:schemeClr val="accent1"/>
+          </a:fillRef>
+          <a:effectRef idx="0">
+            <a:schemeClr val="accent1"/>
+          </a:effectRef>
+          <a:fontRef idx="minor">
+            <a:schemeClr val="tx1"/>
+          </a:fontRef>
+        </p:style>
+      </p:cxnSp>
+      <p:sp>
+        <p:nvSpPr>
+          <p:cNvPr id="5" name="圆角矩形 4"/>
+          <p:cNvSpPr/>
+          <p:nvPr/>
+        </p:nvSpPr>
+        <p:spPr>
+          <a:xfrm>
+            <a:off x="6101080" y="5730240"/>
+            <a:ext cx="3664585" cy="351790"/>
+          </a:xfrm>
+          <a:prstGeom prst="roundRect">
+            <a:avLst/>
+          </a:prstGeom>
+          <a:ln>
+            <a:solidFill>
+              <a:schemeClr val="tx1"/>
+            </a:solidFill>
+          </a:ln>
+        </p:spPr>
+        <p:style>
+          <a:lnRef idx="2">
+            <a:schemeClr val="accent6"/>
+          </a:lnRef>
+          <a:fillRef idx="1">
+            <a:schemeClr val="lt1"/>
+          </a:fillRef>
+          <a:effectRef idx="0">
+            <a:schemeClr val="accent6"/>
+          </a:effectRef>
+          <a:fontRef idx="minor">
+            <a:schemeClr val="dk1"/>
+          </a:fontRef>
+        </p:style>
+        <p:txBody>
+          <a:bodyPr rtlCol="0" anchor="ctr"/>
+          <a:p>
+            <a:pPr algn="ctr"/>
+            <a:r>
+              <a:rPr lang="en-US" altLang="zh-CN"/>
+              <a:t>Binder </a:t>
+            </a:r>
+            <a:r>
+              <a:rPr lang="zh-CN" altLang="en-US"/>
+              <a:t>驱动</a:t>
+            </a:r>
+            <a:endParaRPr lang="zh-CN" altLang="en-US"/>
+          </a:p>
+        </p:txBody>
+      </p:sp>
+      <p:sp>
+        <p:nvSpPr>
+          <p:cNvPr id="6" name="圆角矩形 5"/>
+          <p:cNvSpPr/>
+          <p:nvPr>
+            <p:custDataLst>
+              <p:tags r:id="rId1"/>
+            </p:custDataLst>
+          </p:nvPr>
+        </p:nvSpPr>
+        <p:spPr>
+          <a:xfrm>
+            <a:off x="6101080" y="4512310"/>
+            <a:ext cx="3664585" cy="351790"/>
+          </a:xfrm>
+          <a:prstGeom prst="roundRect">
+            <a:avLst/>
+          </a:prstGeom>
+          <a:ln>
+            <a:solidFill>
+              <a:schemeClr val="tx1"/>
+            </a:solidFill>
+          </a:ln>
+        </p:spPr>
+        <p:style>
+          <a:lnRef idx="2">
+            <a:schemeClr val="accent6"/>
+          </a:lnRef>
+          <a:fillRef idx="1">
+            <a:schemeClr val="lt1"/>
+          </a:fillRef>
+          <a:effectRef idx="0">
+            <a:schemeClr val="accent6"/>
+          </a:effectRef>
+          <a:fontRef idx="minor">
+            <a:schemeClr val="dk1"/>
+          </a:fontRef>
+        </p:style>
+        <p:txBody>
+          <a:bodyPr rtlCol="0" anchor="ctr"/>
+          <a:p>
+            <a:pPr algn="ctr"/>
+            <a:r>
+              <a:rPr lang="zh-CN" altLang="en-US"/>
+              <a:t>open ioctl mmap close</a:t>
+            </a:r>
+            <a:endParaRPr lang="zh-CN" altLang="en-US"/>
+          </a:p>
+        </p:txBody>
+      </p:sp>
+      <p:cxnSp>
+        <p:nvCxnSpPr>
+          <p:cNvPr id="7" name="直接箭头连接符 6"/>
+          <p:cNvCxnSpPr>
+            <a:stCxn id="6" idx="2"/>
+            <a:endCxn id="5" idx="0"/>
+          </p:cNvCxnSpPr>
+          <p:nvPr/>
+        </p:nvCxnSpPr>
+        <p:spPr>
+          <a:xfrm>
+            <a:off x="7933690" y="4864100"/>
+            <a:ext cx="0" cy="866140"/>
+          </a:xfrm>
+          <a:prstGeom prst="straightConnector1">
+            <a:avLst/>
+          </a:prstGeom>
+          <a:ln>
+            <a:tailEnd type="arrow"/>
+          </a:ln>
+        </p:spPr>
+        <p:style>
+          <a:lnRef idx="1">
+            <a:schemeClr val="accent1"/>
+          </a:lnRef>
+          <a:fillRef idx="0">
+            <a:schemeClr val="accent1"/>
+          </a:fillRef>
+          <a:effectRef idx="0">
+            <a:schemeClr val="accent1"/>
+          </a:effectRef>
+          <a:fontRef idx="minor">
+            <a:schemeClr val="tx1"/>
+          </a:fontRef>
+        </p:style>
+      </p:cxnSp>
+      <p:sp>
+        <p:nvSpPr>
+          <p:cNvPr id="8" name="文本框 7"/>
+          <p:cNvSpPr txBox="1"/>
+          <p:nvPr/>
+        </p:nvSpPr>
+        <p:spPr>
+          <a:xfrm>
+            <a:off x="4747895" y="5730240"/>
+            <a:ext cx="879475" cy="368300"/>
+          </a:xfrm>
+          <a:prstGeom prst="rect">
+            <a:avLst/>
+          </a:prstGeom>
+          <a:noFill/>
+        </p:spPr>
+        <p:txBody>
+          <a:bodyPr wrap="square" rtlCol="0">
+            <a:spAutoFit/>
+          </a:bodyPr>
+          <a:p>
+            <a:r>
+              <a:rPr lang="zh-CN" altLang="en-US"/>
+              <a:t>内核层</a:t>
+            </a:r>
+            <a:endParaRPr lang="zh-CN" altLang="en-US"/>
+          </a:p>
+        </p:txBody>
+      </p:sp>
+      <p:sp>
+        <p:nvSpPr>
+          <p:cNvPr id="9" name="文本框 8"/>
+          <p:cNvSpPr txBox="1"/>
+          <p:nvPr>
+            <p:custDataLst>
+              <p:tags r:id="rId2"/>
+            </p:custDataLst>
+          </p:nvPr>
+        </p:nvSpPr>
+        <p:spPr>
+          <a:xfrm>
+            <a:off x="4747895" y="4495800"/>
+            <a:ext cx="879475" cy="368300"/>
+          </a:xfrm>
+          <a:prstGeom prst="rect">
+            <a:avLst/>
+          </a:prstGeom>
+          <a:noFill/>
+        </p:spPr>
+        <p:txBody>
+          <a:bodyPr wrap="square" rtlCol="0">
+            <a:spAutoFit/>
+          </a:bodyPr>
+          <a:p>
+            <a:r>
+              <a:rPr lang="zh-CN" altLang="en-US"/>
+              <a:t>应用层</a:t>
+            </a:r>
+            <a:endParaRPr lang="zh-CN" altLang="en-US"/>
+          </a:p>
+        </p:txBody>
+      </p:sp>
+      <p:sp>
+        <p:nvSpPr>
+          <p:cNvPr id="10" name="圆角矩形 9"/>
+          <p:cNvSpPr/>
+          <p:nvPr>
+            <p:custDataLst>
+              <p:tags r:id="rId3"/>
+            </p:custDataLst>
+          </p:nvPr>
+        </p:nvSpPr>
+        <p:spPr>
+          <a:xfrm>
+            <a:off x="6101080" y="3694430"/>
+            <a:ext cx="3664585" cy="351790"/>
+          </a:xfrm>
+          <a:prstGeom prst="roundRect">
+            <a:avLst/>
+          </a:prstGeom>
+          <a:ln>
+            <a:solidFill>
+              <a:schemeClr val="tx1"/>
+            </a:solidFill>
+          </a:ln>
+        </p:spPr>
+        <p:style>
+          <a:lnRef idx="2">
+            <a:schemeClr val="accent6"/>
+          </a:lnRef>
+          <a:fillRef idx="1">
+            <a:schemeClr val="lt1"/>
+          </a:fillRef>
+          <a:effectRef idx="0">
+            <a:schemeClr val="accent6"/>
+          </a:effectRef>
+          <a:fontRef idx="minor">
+            <a:schemeClr val="dk1"/>
+          </a:fontRef>
+        </p:style>
+        <p:txBody>
+          <a:bodyPr rtlCol="0" anchor="ctr"/>
+          <a:p>
+            <a:pPr algn="ctr"/>
+            <a:r>
+              <a:rPr lang="en-US" altLang="zh-CN"/>
+              <a:t>binder.c</a:t>
+            </a:r>
+            <a:endParaRPr lang="en-US" altLang="zh-CN"/>
+          </a:p>
+        </p:txBody>
+      </p:sp>
+      <p:cxnSp>
+        <p:nvCxnSpPr>
+          <p:cNvPr id="11" name="直接箭头连接符 10"/>
+          <p:cNvCxnSpPr>
+            <a:stCxn id="10" idx="2"/>
+            <a:endCxn id="6" idx="0"/>
+          </p:cNvCxnSpPr>
+          <p:nvPr/>
+        </p:nvCxnSpPr>
+        <p:spPr>
+          <a:xfrm>
+            <a:off x="7933690" y="4046220"/>
+            <a:ext cx="0" cy="466090"/>
+          </a:xfrm>
+          <a:prstGeom prst="straightConnector1">
+            <a:avLst/>
+          </a:prstGeom>
+          <a:ln>
+            <a:tailEnd type="arrow"/>
+          </a:ln>
+        </p:spPr>
+        <p:style>
+          <a:lnRef idx="1">
+            <a:schemeClr val="accent1"/>
+          </a:lnRef>
+          <a:fillRef idx="0">
+            <a:schemeClr val="accent1"/>
+          </a:fillRef>
+          <a:effectRef idx="0">
+            <a:schemeClr val="accent1"/>
+          </a:effectRef>
+          <a:fontRef idx="minor">
+            <a:schemeClr val="tx1"/>
+          </a:fontRef>
+        </p:style>
+      </p:cxnSp>
+      <p:sp>
+        <p:nvSpPr>
+          <p:cNvPr id="12" name="圆角矩形 11"/>
+          <p:cNvSpPr/>
+          <p:nvPr>
+            <p:custDataLst>
+              <p:tags r:id="rId4"/>
+            </p:custDataLst>
+          </p:nvPr>
+        </p:nvSpPr>
+        <p:spPr>
+          <a:xfrm>
+            <a:off x="6101080" y="2876550"/>
+            <a:ext cx="1345565" cy="351790"/>
+          </a:xfrm>
+          <a:prstGeom prst="roundRect">
+            <a:avLst/>
+          </a:prstGeom>
+          <a:ln>
+            <a:solidFill>
+              <a:schemeClr val="tx1"/>
+            </a:solidFill>
+          </a:ln>
+        </p:spPr>
+        <p:style>
+          <a:lnRef idx="2">
+            <a:schemeClr val="accent6"/>
+          </a:lnRef>
+          <a:fillRef idx="1">
+            <a:schemeClr val="lt1"/>
+          </a:fillRef>
+          <a:effectRef idx="0">
+            <a:schemeClr val="accent6"/>
+          </a:effectRef>
+          <a:fontRef idx="minor">
+            <a:schemeClr val="dk1"/>
+          </a:fontRef>
+        </p:style>
+        <p:txBody>
+          <a:bodyPr rtlCol="0" anchor="ctr"/>
+          <a:p>
+            <a:pPr algn="ctr"/>
+            <a:r>
+              <a:rPr lang="en-US" altLang="zh-CN"/>
+              <a:t>bctest.c</a:t>
+            </a:r>
+            <a:endParaRPr lang="en-US" altLang="zh-CN"/>
+          </a:p>
+        </p:txBody>
+      </p:sp>
+      <p:sp>
+        <p:nvSpPr>
+          <p:cNvPr id="13" name="圆角矩形 12"/>
+          <p:cNvSpPr/>
+          <p:nvPr>
+            <p:custDataLst>
+              <p:tags r:id="rId5"/>
+            </p:custDataLst>
+          </p:nvPr>
+        </p:nvSpPr>
+        <p:spPr>
+          <a:xfrm>
+            <a:off x="7876540" y="2876550"/>
+            <a:ext cx="2216785" cy="351790"/>
+          </a:xfrm>
+          <a:prstGeom prst="roundRect">
+            <a:avLst/>
+          </a:prstGeom>
+          <a:ln>
+            <a:solidFill>
+              <a:schemeClr val="tx1"/>
+            </a:solidFill>
+          </a:ln>
+        </p:spPr>
+        <p:style>
+          <a:lnRef idx="2">
+            <a:schemeClr val="accent6"/>
+          </a:lnRef>
+          <a:fillRef idx="1">
+            <a:schemeClr val="lt1"/>
+          </a:fillRef>
+          <a:effectRef idx="0">
+            <a:schemeClr val="accent6"/>
+          </a:effectRef>
+          <a:fontRef idx="minor">
+            <a:schemeClr val="dk1"/>
+          </a:fontRef>
+        </p:style>
+        <p:txBody>
+          <a:bodyPr rtlCol="0" anchor="ctr"/>
+          <a:p>
+            <a:pPr algn="ctr"/>
+            <a:r>
+              <a:rPr lang="en-US" altLang="zh-CN"/>
+              <a:t>service_manager.c</a:t>
+            </a:r>
+            <a:endParaRPr lang="en-US" altLang="zh-CN"/>
+          </a:p>
+        </p:txBody>
+      </p:sp>
+      <p:cxnSp>
+        <p:nvCxnSpPr>
+          <p:cNvPr id="14" name="直接箭头连接符 13"/>
+          <p:cNvCxnSpPr>
+            <a:stCxn id="12" idx="2"/>
+          </p:cNvCxnSpPr>
+          <p:nvPr/>
+        </p:nvCxnSpPr>
+        <p:spPr>
+          <a:xfrm>
+            <a:off x="6774180" y="3228340"/>
+            <a:ext cx="10160" cy="466725"/>
+          </a:xfrm>
+          <a:prstGeom prst="straightConnector1">
+            <a:avLst/>
+          </a:prstGeom>
+          <a:ln>
+            <a:tailEnd type="arrow"/>
+          </a:ln>
+        </p:spPr>
+        <p:style>
+          <a:lnRef idx="1">
+            <a:schemeClr val="accent1"/>
+          </a:lnRef>
+          <a:fillRef idx="0">
+            <a:schemeClr val="accent1"/>
+          </a:fillRef>
+          <a:effectRef idx="0">
+            <a:schemeClr val="accent1"/>
+          </a:effectRef>
+          <a:fontRef idx="minor">
+            <a:schemeClr val="tx1"/>
+          </a:fontRef>
+        </p:style>
+      </p:cxnSp>
+      <p:cxnSp>
+        <p:nvCxnSpPr>
+          <p:cNvPr id="15" name="直接箭头连接符 14"/>
+          <p:cNvCxnSpPr>
+            <a:stCxn id="13" idx="2"/>
+          </p:cNvCxnSpPr>
+          <p:nvPr/>
+        </p:nvCxnSpPr>
+        <p:spPr>
+          <a:xfrm flipH="1">
+            <a:off x="8983980" y="3228340"/>
+            <a:ext cx="1270" cy="445770"/>
+          </a:xfrm>
+          <a:prstGeom prst="straightConnector1">
+            <a:avLst/>
+          </a:prstGeom>
+          <a:ln>
+            <a:tailEnd type="arrow"/>
+          </a:ln>
+        </p:spPr>
+        <p:style>
+          <a:lnRef idx="1">
+            <a:schemeClr val="accent1"/>
+          </a:lnRef>
+          <a:fillRef idx="0">
+            <a:schemeClr val="accent1"/>
+          </a:fillRef>
+          <a:effectRef idx="0">
+            <a:schemeClr val="accent1"/>
+          </a:effectRef>
+          <a:fontRef idx="minor">
+            <a:schemeClr val="tx1"/>
+          </a:fontRef>
+        </p:style>
+      </p:cxnSp>
+    </p:spTree>
+    <p:custDataLst>
+      <p:tags r:id="rId6"/>
+    </p:custDataLst>
+  </p:cSld>
+  <p:clrMapOvr>
+    <a:masterClrMapping/>
+  </p:clrMapOvr>
+</p:sld>
+</file>
+
+<file path=ppt/slides/slide7.xml><?xml version="1.0" encoding="utf-8"?>
+<p:sld xmlns:a="http://schemas.openxmlformats.org/drawingml/2006/main" xmlns:r="http://schemas.openxmlformats.org/officeDocument/2006/relationships" xmlns:p="http://schemas.openxmlformats.org/presentationml/2006/main">
+  <p:cSld>
+    <p:bg>
+      <p:bgPr>
+        <a:noFill/>
+        <a:effectLst/>
+      </p:bgPr>
+    </p:bg>
+    <p:spTree>
+      <p:nvGrpSpPr>
+        <p:cNvPr id="1" name=""/>
+        <p:cNvGrpSpPr/>
+        <p:nvPr/>
+      </p:nvGrpSpPr>
+      <p:grpSpPr/>
+      <p:sp>
+        <p:nvSpPr>
+          <p:cNvPr id="2" name="标题 1"/>
+          <p:cNvSpPr>
+            <a:spLocks noGrp="1"/>
+          </p:cNvSpPr>
+          <p:nvPr>
+            <p:ph type="title"/>
+          </p:nvPr>
+        </p:nvSpPr>
+        <p:spPr/>
+        <p:txBody>
+          <a:bodyPr/>
+          <a:p>
+            <a:r>
+              <a:rPr lang="zh-CN" altLang="en-US"/>
+              <a:t>驱动分析</a:t>
+            </a:r>
+            <a:endParaRPr lang="zh-CN" altLang="en-US"/>
+          </a:p>
+        </p:txBody>
+      </p:sp>
+      <p:sp>
+        <p:nvSpPr>
+          <p:cNvPr id="3" name="内容占位符 2"/>
+          <p:cNvSpPr>
+            <a:spLocks noGrp="1"/>
+          </p:cNvSpPr>
+          <p:nvPr>
+            <p:ph idx="1"/>
+          </p:nvPr>
+        </p:nvSpPr>
+        <p:spPr/>
+        <p:txBody>
+          <a:bodyPr/>
+          <a:p>
+            <a:r>
+              <a:rPr lang="zh-CN" altLang="en-US"/>
+              <a:t>基于</a:t>
+            </a:r>
+            <a:r>
+              <a:rPr lang="en-US" altLang="zh-CN"/>
+              <a:t> C </a:t>
+            </a:r>
+            <a:r>
+              <a:rPr lang="zh-CN" altLang="en-US"/>
+              <a:t>层示例程序分析</a:t>
+            </a:r>
+            <a:endParaRPr lang="zh-CN" altLang="en-US"/>
+          </a:p>
+          <a:p>
+            <a:pPr lvl="1"/>
+            <a:r>
+              <a:rPr lang="zh-CN" altLang="en-US" sz="1800">
+                <a:sym typeface="+mn-ea"/>
+              </a:rPr>
+              <a:t>三个情景的流程：注册，获取，使用</a:t>
+            </a:r>
+            <a:endParaRPr lang="zh-CN" altLang="en-US" sz="1800"/>
+          </a:p>
+          <a:p>
+            <a:pPr lvl="1"/>
+            <a:r>
+              <a:rPr lang="zh-CN" altLang="en-US" sz="1800">
+                <a:sym typeface="+mn-ea"/>
+              </a:rPr>
+              <a:t>三个情景下内核中各种数据结构的变化</a:t>
+            </a:r>
+            <a:endParaRPr lang="zh-CN" altLang="en-US" sz="1800"/>
+          </a:p>
+          <a:p>
+            <a:r>
+              <a:rPr lang="zh-CN" altLang="en-US"/>
+              <a:t>通过驱动源码搞懂：</a:t>
+            </a:r>
+            <a:endParaRPr lang="zh-CN" altLang="en-US"/>
+          </a:p>
+          <a:p>
+            <a:pPr lvl="1"/>
+            <a:r>
+              <a:rPr lang="zh-CN" altLang="en-US"/>
+              <a:t>数据传输大小的限制</a:t>
+            </a:r>
+            <a:endParaRPr lang="zh-CN" altLang="en-US"/>
+          </a:p>
+          <a:p>
+            <a:pPr lvl="1"/>
+            <a:r>
+              <a:rPr lang="zh-CN" altLang="en-US"/>
+              <a:t>数据是怎么跨进程传输的</a:t>
+            </a:r>
+            <a:endParaRPr lang="zh-CN" altLang="en-US"/>
+          </a:p>
+          <a:p>
+            <a:pPr lvl="1"/>
+            <a:r>
+              <a:rPr lang="zh-CN" altLang="en-US"/>
+              <a:t>一次拷贝原理</a:t>
+            </a:r>
+            <a:endParaRPr lang="zh-CN" altLang="en-US"/>
+          </a:p>
+          <a:p>
+            <a:pPr lvl="1"/>
+            <a:r>
+              <a:rPr lang="zh-CN" altLang="en-US"/>
+              <a:t>进程/线层的阻塞和唤醒是如何实现的。</a:t>
+            </a:r>
+            <a:endParaRPr lang="zh-CN" altLang="en-US"/>
+          </a:p>
+          <a:p>
+            <a:endParaRPr lang="zh-CN" altLang="en-US"/>
+          </a:p>
+          <a:p>
+            <a:pPr marL="457200" lvl="1" indent="0">
+              <a:buNone/>
+            </a:pPr>
+            <a:endParaRPr lang="zh-CN" altLang="en-US"/>
+          </a:p>
+        </p:txBody>
+      </p:sp>
+    </p:spTree>
+    <p:custDataLst>
+      <p:tags r:id="rId1"/>
+    </p:custDataLst>
+  </p:cSld>
+  <p:clrMapOvr>
+    <a:masterClrMapping/>
+  </p:clrMapOvr>
+</p:sld>
+</file>
+
+<file path=ppt/slides/slide8.xml><?xml version="1.0" encoding="utf-8"?>
+<p:sld xmlns:a="http://schemas.openxmlformats.org/drawingml/2006/main" xmlns:r="http://schemas.openxmlformats.org/officeDocument/2006/relationships" xmlns:p="http://schemas.openxmlformats.org/presentationml/2006/main">
+  <p:cSld>
+    <p:bg>
+      <p:bgPr>
+        <a:noFill/>
+        <a:effectLst/>
+      </p:bgPr>
+    </p:bg>
+    <p:spTree>
+      <p:nvGrpSpPr>
+        <p:cNvPr id="1" name=""/>
+        <p:cNvGrpSpPr/>
+        <p:nvPr/>
+      </p:nvGrpSpPr>
+      <p:grpSpPr/>
+      <p:sp>
+        <p:nvSpPr>
+          <p:cNvPr id="2" name="标题 1"/>
+          <p:cNvSpPr>
+            <a:spLocks noGrp="1"/>
+          </p:cNvSpPr>
+          <p:nvPr>
+            <p:ph type="title"/>
+          </p:nvPr>
+        </p:nvSpPr>
+        <p:spPr/>
+        <p:txBody>
+          <a:bodyPr/>
+          <a:p>
+            <a:r>
+              <a:rPr lang="zh-CN" altLang="en-US"/>
+              <a:t>C++ 层分析</a:t>
+            </a:r>
+            <a:endParaRPr lang="zh-CN" altLang="en-US"/>
+          </a:p>
+        </p:txBody>
+      </p:sp>
+      <p:sp>
+        <p:nvSpPr>
+          <p:cNvPr id="3" name="内容占位符 2"/>
+          <p:cNvSpPr>
+            <a:spLocks noGrp="1"/>
+          </p:cNvSpPr>
+          <p:nvPr>
+            <p:ph idx="1"/>
+          </p:nvPr>
+        </p:nvSpPr>
+        <p:spPr/>
+        <p:txBody>
+          <a:bodyPr/>
+          <a:p>
+            <a:r>
+              <a:rPr lang="zh-CN" altLang="en-US"/>
+              <a:t>示例程序</a:t>
+            </a:r>
+            <a:endParaRPr lang="zh-CN" altLang="en-US"/>
+          </a:p>
+          <a:p>
+            <a:r>
+              <a:rPr lang="zh-CN" altLang="en-US"/>
+              <a:t>服务的注册获取使用三大流程</a:t>
+            </a:r>
+            <a:endParaRPr lang="zh-CN" altLang="en-US"/>
+          </a:p>
+          <a:p>
+            <a:r>
+              <a:rPr lang="zh-CN" altLang="en-US"/>
+              <a:t>特殊场景分析</a:t>
+            </a:r>
+            <a:endParaRPr lang="zh-CN" altLang="en-US"/>
+          </a:p>
+          <a:p>
+            <a:pPr lvl="1"/>
+            <a:r>
+              <a:rPr lang="zh-CN" altLang="en-US"/>
+              <a:t>死亡通知</a:t>
+            </a:r>
+            <a:endParaRPr lang="zh-CN" altLang="en-US"/>
+          </a:p>
+          <a:p>
+            <a:pPr lvl="1"/>
+            <a:r>
+              <a:rPr lang="zh-CN" altLang="en-US"/>
+              <a:t>多线程</a:t>
+            </a:r>
+            <a:endParaRPr lang="zh-CN" altLang="en-US"/>
+          </a:p>
+          <a:p>
+            <a:pPr lvl="1"/>
+            <a:r>
+              <a:rPr lang="zh-CN" altLang="en-US"/>
+              <a:t>匿名服务</a:t>
+            </a:r>
+            <a:endParaRPr lang="zh-CN" altLang="en-US"/>
+          </a:p>
+        </p:txBody>
+      </p:sp>
+    </p:spTree>
+    <p:custDataLst>
+      <p:tags r:id="rId1"/>
+    </p:custDataLst>
+  </p:cSld>
+  <p:clrMapOvr>
+    <a:masterClrMapping/>
+  </p:clrMapOvr>
+</p:sld>
+</file>
+
+<file path=ppt/slides/slide9.xml><?xml version="1.0" encoding="utf-8"?>
+<p:sld xmlns:a="http://schemas.openxmlformats.org/drawingml/2006/main" xmlns:r="http://schemas.openxmlformats.org/officeDocument/2006/relationships" xmlns:p="http://schemas.openxmlformats.org/presentationml/2006/main">
+  <p:cSld>
+    <p:bg>
+      <p:bgPr>
+        <a:noFill/>
+        <a:effectLst/>
+      </p:bgPr>
+    </p:bg>
+    <p:spTree>
+      <p:nvGrpSpPr>
+        <p:cNvPr id="1" name=""/>
+        <p:cNvGrpSpPr/>
+        <p:nvPr/>
+      </p:nvGrpSpPr>
+      <p:grpSpPr/>
+      <p:sp>
+        <p:nvSpPr>
+          <p:cNvPr id="2" name="标题 1"/>
+          <p:cNvSpPr>
+            <a:spLocks noGrp="1"/>
+          </p:cNvSpPr>
+          <p:nvPr>
+            <p:ph type="title"/>
+          </p:nvPr>
+        </p:nvSpPr>
+        <p:spPr/>
+        <p:txBody>
+          <a:bodyPr/>
+          <a:p>
+            <a:r>
+              <a:rPr lang="zh-CN" altLang="en-US"/>
+              <a:t>Java 层分析</a:t>
+            </a:r>
+            <a:endParaRPr lang="zh-CN" altLang="en-US"/>
+          </a:p>
+        </p:txBody>
+      </p:sp>
+      <p:sp>
+        <p:nvSpPr>
+          <p:cNvPr id="3" name="内容占位符 2"/>
+          <p:cNvSpPr>
+            <a:spLocks noGrp="1"/>
+          </p:cNvSpPr>
+          <p:nvPr>
+            <p:ph idx="1"/>
+          </p:nvPr>
+        </p:nvSpPr>
+        <p:spPr/>
+        <p:txBody>
+          <a:bodyPr/>
+          <a:p>
+            <a:r>
+              <a:rPr lang="zh-CN" altLang="en-US"/>
+              <a:t>情景分析</a:t>
+            </a:r>
+            <a:endParaRPr lang="zh-CN" altLang="en-US"/>
+          </a:p>
+          <a:p>
+            <a:pPr lvl="1"/>
+            <a:r>
+              <a:rPr lang="zh-CN" altLang="en-US" sz="1800">
+                <a:sym typeface="+mn-ea"/>
+              </a:rPr>
+              <a:t>Java 层初始化</a:t>
+            </a:r>
+            <a:endParaRPr lang="zh-CN" altLang="en-US" sz="1800"/>
+          </a:p>
+          <a:p>
+            <a:pPr lvl="1"/>
+            <a:r>
+              <a:rPr lang="zh-CN" altLang="en-US" sz="1800">
+                <a:sym typeface="+mn-ea"/>
+              </a:rPr>
+              <a:t>服务注册过程分析</a:t>
+            </a:r>
+            <a:endParaRPr lang="zh-CN" altLang="en-US" sz="1800"/>
+          </a:p>
+          <a:p>
+            <a:pPr lvl="1"/>
+            <a:r>
+              <a:rPr lang="zh-CN" altLang="en-US" sz="1800">
+                <a:sym typeface="+mn-ea"/>
+              </a:rPr>
+              <a:t>服务获取与使用过程分析</a:t>
+            </a:r>
+            <a:endParaRPr lang="zh-CN" altLang="en-US"/>
+          </a:p>
+          <a:p>
+            <a:r>
+              <a:rPr lang="zh-CN" altLang="en-US"/>
+              <a:t>特殊场景分析</a:t>
+            </a:r>
+            <a:endParaRPr lang="zh-CN" altLang="en-US"/>
+          </a:p>
+          <a:p>
+            <a:pPr lvl="1"/>
+            <a:r>
+              <a:rPr lang="zh-CN" altLang="en-US"/>
+              <a:t>AIDL 中 in out inout oneway 的分析</a:t>
+            </a:r>
+            <a:endParaRPr lang="zh-CN" altLang="en-US"/>
+          </a:p>
+          <a:p>
+            <a:pPr lvl="1"/>
+            <a:r>
+              <a:rPr lang="zh-CN" altLang="en-US"/>
+              <a:t>Parcel 数据结构分析</a:t>
+            </a:r>
+            <a:endParaRPr lang="zh-CN" altLang="en-US"/>
+          </a:p>
+          <a:p>
+            <a:pPr lvl="1"/>
+            <a:r>
+              <a:rPr lang="zh-CN" altLang="en-US"/>
+              <a:t>Java 层死亡通知</a:t>
+            </a:r>
+            <a:endParaRPr lang="zh-CN" altLang="en-US"/>
+          </a:p>
+          <a:p>
+            <a:pPr lvl="1"/>
+            <a:r>
+              <a:rPr lang="zh-CN" altLang="en-US"/>
+              <a:t>Java 层多线程分析</a:t>
+            </a:r>
+            <a:endParaRPr lang="zh-CN" altLang="en-US"/>
+          </a:p>
+          <a:p>
+            <a:pPr lvl="1"/>
+            <a:r>
+              <a:rPr lang="zh-CN" altLang="en-US"/>
+              <a:t>匿名服务</a:t>
+            </a:r>
+            <a:endParaRPr lang="zh-CN" altLang="en-US"/>
+          </a:p>
+          <a:p>
+            <a:pPr lvl="1"/>
+            <a:endParaRPr lang="zh-CN" altLang="en-US"/>
+          </a:p>
+        </p:txBody>
+      </p:sp>
+    </p:spTree>
+    <p:custDataLst>
+      <p:tags r:id="rId1"/>
+    </p:custDataLst>
+  </p:cSld>
+  <p:clrMapOvr>
+    <a:masterClrMapping/>
+  </p:clrMapOvr>
+</p:sld>
+</file>
+
 <file path=ppt/tags/tag1.xml><?xml version="1.0" encoding="utf-8"?>
 <p:tagLst xmlns:p="http://schemas.openxmlformats.org/presentationml/2006/main">
   <p:tag name="KSO_WM_UNIT_HIGHLIGHT" val="0"/>
@@ -3921,50 +5388,6 @@
 </file>
 
 <file path=ppt/tags/tag63.xml><?xml version="1.0" encoding="utf-8"?>
-<p:tagLst xmlns:p="http://schemas.openxmlformats.org/presentationml/2006/main">
-  <p:tag name="KSO_WM_UNIT_ISCONTENTSTITLE" val="0"/>
-  <p:tag name="KSO_WM_UNIT_ISNUMDGMTITLE" val="0"/>
-  <p:tag name="KSO_WM_UNIT_NOCLEAR" val="0"/>
-  <p:tag name="KSO_WM_UNIT_SHOW_EDIT_AREA_INDICATION" val="1"/>
-  <p:tag name="KSO_WM_UNIT_VALUE" val="28"/>
-  <p:tag name="KSO_WM_UNIT_HIGHLIGHT" val="0"/>
-  <p:tag name="KSO_WM_UNIT_COMPATIBLE" val="0"/>
-  <p:tag name="KSO_WM_UNIT_DIAGRAM_ISNUMVISUAL" val="0"/>
-  <p:tag name="KSO_WM_UNIT_DIAGRAM_ISREFERUNIT" val="0"/>
-  <p:tag name="KSO_WM_UNIT_TYPE" val="a"/>
-  <p:tag name="KSO_WM_UNIT_INDEX" val="1"/>
-  <p:tag name="KSO_WM_UNIT_ID" val="custom20205176_1*a*1"/>
-  <p:tag name="KSO_WM_TEMPLATE_CATEGORY" val="custom"/>
-  <p:tag name="KSO_WM_TEMPLATE_INDEX" val="20205176"/>
-  <p:tag name="KSO_WM_UNIT_LAYERLEVEL" val="1"/>
-  <p:tag name="KSO_WM_TAG_VERSION" val="1.0"/>
-  <p:tag name="KSO_WM_BEAUTIFY_FLAG" val="#wm#"/>
-</p:tagLst>
-</file>
-
-<file path=ppt/tags/tag64.xml><?xml version="1.0" encoding="utf-8"?>
-<p:tagLst xmlns:p="http://schemas.openxmlformats.org/presentationml/2006/main">
-  <p:tag name="KSO_WM_UNIT_ISCONTENTSTITLE" val="0"/>
-  <p:tag name="KSO_WM_UNIT_ISNUMDGMTITLE" val="0"/>
-  <p:tag name="KSO_WM_UNIT_NOCLEAR" val="0"/>
-  <p:tag name="KSO_WM_UNIT_SHOW_EDIT_AREA_INDICATION" val="1"/>
-  <p:tag name="KSO_WM_UNIT_VALUE" val="111"/>
-  <p:tag name="KSO_WM_UNIT_HIGHLIGHT" val="0"/>
-  <p:tag name="KSO_WM_UNIT_COMPATIBLE" val="0"/>
-  <p:tag name="KSO_WM_UNIT_DIAGRAM_ISNUMVISUAL" val="0"/>
-  <p:tag name="KSO_WM_UNIT_DIAGRAM_ISREFERUNIT" val="0"/>
-  <p:tag name="KSO_WM_UNIT_TYPE" val="b"/>
-  <p:tag name="KSO_WM_UNIT_INDEX" val="1"/>
-  <p:tag name="KSO_WM_UNIT_ID" val="custom20205176_1*b*1"/>
-  <p:tag name="KSO_WM_TEMPLATE_CATEGORY" val="custom"/>
-  <p:tag name="KSO_WM_TEMPLATE_INDEX" val="20205176"/>
-  <p:tag name="KSO_WM_UNIT_LAYERLEVEL" val="1"/>
-  <p:tag name="KSO_WM_TAG_VERSION" val="1.0"/>
-  <p:tag name="KSO_WM_BEAUTIFY_FLAG" val="#wm#"/>
-</p:tagLst>
-</file>
-
-<file path=ppt/tags/tag65.xml><?xml version="1.0" encoding="utf-8"?>
 <p:tagLst xmlns:p="http://schemas.openxmlformats.org/presentationml/2006/main">
   <p:tag name="KSO_WM_SLIDE_ID" val="custom20205176_1"/>
   <p:tag name="KSO_WM_TEMPLATE_SUBCATEGORY" val="19"/>
@@ -3985,6 +5408,48 @@
 </p:tagLst>
 </file>
 
+<file path=ppt/tags/tag64.xml><?xml version="1.0" encoding="utf-8"?>
+<p:tagLst xmlns:p="http://schemas.openxmlformats.org/presentationml/2006/main">
+  <p:tag name="KSO_WM_BEAUTIFY_FLAG" val=""/>
+</p:tagLst>
+</file>
+
+<file path=ppt/tags/tag65.xml><?xml version="1.0" encoding="utf-8"?>
+<p:tagLst xmlns:p="http://schemas.openxmlformats.org/presentationml/2006/main">
+  <p:tag name="KSO_WM_BEAUTIFY_FLAG" val="#wm#"/>
+  <p:tag name="KSO_WM_TEMPLATE_CATEGORY" val="custom"/>
+  <p:tag name="KSO_WM_TEMPLATE_INDEX" val="20205176"/>
+</p:tagLst>
+</file>
+
+<file path=ppt/tags/tag66.xml><?xml version="1.0" encoding="utf-8"?>
+<p:tagLst xmlns:p="http://schemas.openxmlformats.org/presentationml/2006/main">
+  <p:tag name="KSO_WM_BEAUTIFY_FLAG" val="#wm#"/>
+  <p:tag name="KSO_WM_TEMPLATE_CATEGORY" val="custom"/>
+  <p:tag name="KSO_WM_TEMPLATE_INDEX" val="20205176"/>
+</p:tagLst>
+</file>
+
+<file path=ppt/tags/tag67.xml><?xml version="1.0" encoding="utf-8"?>
+<p:tagLst xmlns:p="http://schemas.openxmlformats.org/presentationml/2006/main">
+  <p:tag name="KSO_WM_BEAUTIFY_FLAG" val="#wm#"/>
+  <p:tag name="KSO_WM_TEMPLATE_CATEGORY" val="custom"/>
+  <p:tag name="KSO_WM_TEMPLATE_INDEX" val="20205176"/>
+</p:tagLst>
+</file>
+
+<file path=ppt/tags/tag68.xml><?xml version="1.0" encoding="utf-8"?>
+<p:tagLst xmlns:p="http://schemas.openxmlformats.org/presentationml/2006/main">
+  <p:tag name="KSO_WM_BEAUTIFY_FLAG" val=""/>
+</p:tagLst>
+</file>
+
+<file path=ppt/tags/tag69.xml><?xml version="1.0" encoding="utf-8"?>
+<p:tagLst xmlns:p="http://schemas.openxmlformats.org/presentationml/2006/main">
+  <p:tag name="KSO_WM_BEAUTIFY_FLAG" val=""/>
+</p:tagLst>
+</file>
+
 <file path=ppt/tags/tag7.xml><?xml version="1.0" encoding="utf-8"?>
 <p:tagLst xmlns:p="http://schemas.openxmlformats.org/presentationml/2006/main">
   <p:tag name="KSO_WM_UNIT_HIGHLIGHT" val="0"/>
@@ -3998,6 +5463,76 @@
 </p:tagLst>
 </file>
 
+<file path=ppt/tags/tag70.xml><?xml version="1.0" encoding="utf-8"?>
+<p:tagLst xmlns:p="http://schemas.openxmlformats.org/presentationml/2006/main">
+  <p:tag name="KSO_WM_BEAUTIFY_FLAG" val="#wm#"/>
+  <p:tag name="KSO_WM_TEMPLATE_CATEGORY" val="custom"/>
+  <p:tag name="KSO_WM_TEMPLATE_INDEX" val="20205176"/>
+</p:tagLst>
+</file>
+
+<file path=ppt/tags/tag71.xml><?xml version="1.0" encoding="utf-8"?>
+<p:tagLst xmlns:p="http://schemas.openxmlformats.org/presentationml/2006/main">
+  <p:tag name="KSO_WM_BEAUTIFY_FLAG" val=""/>
+</p:tagLst>
+</file>
+
+<file path=ppt/tags/tag72.xml><?xml version="1.0" encoding="utf-8"?>
+<p:tagLst xmlns:p="http://schemas.openxmlformats.org/presentationml/2006/main">
+  <p:tag name="KSO_WM_BEAUTIFY_FLAG" val=""/>
+</p:tagLst>
+</file>
+
+<file path=ppt/tags/tag73.xml><?xml version="1.0" encoding="utf-8"?>
+<p:tagLst xmlns:p="http://schemas.openxmlformats.org/presentationml/2006/main">
+  <p:tag name="KSO_WM_BEAUTIFY_FLAG" val=""/>
+</p:tagLst>
+</file>
+
+<file path=ppt/tags/tag74.xml><?xml version="1.0" encoding="utf-8"?>
+<p:tagLst xmlns:p="http://schemas.openxmlformats.org/presentationml/2006/main">
+  <p:tag name="KSO_WM_BEAUTIFY_FLAG" val=""/>
+</p:tagLst>
+</file>
+
+<file path=ppt/tags/tag75.xml><?xml version="1.0" encoding="utf-8"?>
+<p:tagLst xmlns:p="http://schemas.openxmlformats.org/presentationml/2006/main">
+  <p:tag name="KSO_WM_BEAUTIFY_FLAG" val=""/>
+</p:tagLst>
+</file>
+
+<file path=ppt/tags/tag76.xml><?xml version="1.0" encoding="utf-8"?>
+<p:tagLst xmlns:p="http://schemas.openxmlformats.org/presentationml/2006/main">
+  <p:tag name="KSO_WM_BEAUTIFY_FLAG" val="#wm#"/>
+  <p:tag name="KSO_WM_TEMPLATE_CATEGORY" val="custom"/>
+  <p:tag name="KSO_WM_TEMPLATE_INDEX" val="20205176"/>
+</p:tagLst>
+</file>
+
+<file path=ppt/tags/tag77.xml><?xml version="1.0" encoding="utf-8"?>
+<p:tagLst xmlns:p="http://schemas.openxmlformats.org/presentationml/2006/main">
+  <p:tag name="KSO_WM_BEAUTIFY_FLAG" val="#wm#"/>
+  <p:tag name="KSO_WM_TEMPLATE_CATEGORY" val="custom"/>
+  <p:tag name="KSO_WM_TEMPLATE_INDEX" val="20205176"/>
+</p:tagLst>
+</file>
+
+<file path=ppt/tags/tag78.xml><?xml version="1.0" encoding="utf-8"?>
+<p:tagLst xmlns:p="http://schemas.openxmlformats.org/presentationml/2006/main">
+  <p:tag name="KSO_WM_BEAUTIFY_FLAG" val="#wm#"/>
+  <p:tag name="KSO_WM_TEMPLATE_CATEGORY" val="custom"/>
+  <p:tag name="KSO_WM_TEMPLATE_INDEX" val="20205176"/>
+</p:tagLst>
+</file>
+
+<file path=ppt/tags/tag79.xml><?xml version="1.0" encoding="utf-8"?>
+<p:tagLst xmlns:p="http://schemas.openxmlformats.org/presentationml/2006/main">
+  <p:tag name="KSO_WM_BEAUTIFY_FLAG" val="#wm#"/>
+  <p:tag name="KSO_WM_TEMPLATE_CATEGORY" val="custom"/>
+  <p:tag name="KSO_WM_TEMPLATE_INDEX" val="20205176"/>
+</p:tagLst>
+</file>
+
 <file path=ppt/tags/tag8.xml><?xml version="1.0" encoding="utf-8"?>
 <p:tagLst xmlns:p="http://schemas.openxmlformats.org/presentationml/2006/main">
   <p:tag name="KSO_WM_UNIT_HIGHLIGHT" val="0"/>
@@ -4008,6 +5543,21 @@
   <p:tag name="KSO_WM_UNIT_LAYERLEVEL" val="1"/>
   <p:tag name="KSO_WM_TAG_VERSION" val="1.0"/>
   <p:tag name="KSO_WM_BEAUTIFY_FLAG" val="#wm#"/>
+</p:tagLst>
+</file>
+
+<file path=ppt/tags/tag80.xml><?xml version="1.0" encoding="utf-8"?>
+<p:tagLst xmlns:p="http://schemas.openxmlformats.org/presentationml/2006/main">
+  <p:tag name="KSO_WM_BEAUTIFY_FLAG" val="#wm#"/>
+  <p:tag name="KSO_WM_TEMPLATE_CATEGORY" val="custom"/>
+  <p:tag name="KSO_WM_TEMPLATE_INDEX" val="20205176"/>
+</p:tagLst>
+</file>
+
+<file path=ppt/tags/tag81.xml><?xml version="1.0" encoding="utf-8"?>
+<p:tagLst xmlns:p="http://schemas.openxmlformats.org/presentationml/2006/main">
+  <p:tag name="COMMONDATA" val="eyJoZGlkIjoiNjE5OWZjMGE3NGM4M2EwN2I0NjRjNjE5ZDIxZDM4MDkifQ=="/>
+  <p:tag name="KSO_WPP_MARK_KEY" val="de41afa0-f8ce-4c03-a3a9-1ca823b65c49"/>
 </p:tagLst>
 </file>
 
